--- a/2차발표.pptx
+++ b/2차발표.pptx
@@ -9,7 +9,6 @@
     <p:sldId id="260" r:id="rId3"/>
     <p:sldId id="257" r:id="rId4"/>
     <p:sldId id="267" r:id="rId5"/>
-    <p:sldId id="268" r:id="rId6"/>
   </p:sldIdLst>
   <p:sldSz cx="12192000" cy="6858000"/>
   <p:notesSz cx="6858000" cy="9144000"/>
@@ -116,8 +115,34 @@
 </p:presentation>
 </file>
 
+<file path=ppt/commentAuthors.xml><?xml version="1.0" encoding="utf-8"?>
+<p:cmAuthorLst xmlns:a="http://schemas.openxmlformats.org/drawingml/2006/main" xmlns:r="http://schemas.openxmlformats.org/officeDocument/2006/relationships" xmlns:p="http://schemas.openxmlformats.org/presentationml/2006/main">
+  <p:cmAuthor id="1" name="KO" initials="K" lastIdx="1" clrIdx="0">
+    <p:extLst>
+      <p:ext uri="{19B8F6BF-5375-455C-9EA6-DF929625EA0E}">
+        <p15:presenceInfo xmlns:p15="http://schemas.microsoft.com/office/powerpoint/2012/main" userId="KO" providerId="None"/>
+      </p:ext>
+    </p:extLst>
+  </p:cmAuthor>
+</p:cmAuthorLst>
+</file>
+
 <file path=ppt/revisionInfo.xml><?xml version="1.0" encoding="utf-8"?>
 <p1510:revInfo xmlns:a="http://schemas.openxmlformats.org/drawingml/2006/main" xmlns:r="http://schemas.openxmlformats.org/officeDocument/2006/relationships" xmlns:p1510="http://schemas.microsoft.com/office/powerpoint/2015/10/main"/>
+</file>
+
+<file path=ppt/comments/comment1.xml><?xml version="1.0" encoding="utf-8"?>
+<p:cmLst xmlns:a="http://schemas.openxmlformats.org/drawingml/2006/main" xmlns:r="http://schemas.openxmlformats.org/officeDocument/2006/relationships" xmlns:p="http://schemas.openxmlformats.org/presentationml/2006/main">
+  <p:cm authorId="1" dt="2017-10-18T15:17:24.692" idx="1">
+    <p:pos x="10" y="10"/>
+    <p:text/>
+    <p:extLst>
+      <p:ext uri="{C676402C-5697-4E1C-873F-D02D1690AC5C}">
+        <p15:threadingInfo xmlns:p15="http://schemas.microsoft.com/office/powerpoint/2012/main" timeZoneBias="-540"/>
+      </p:ext>
+    </p:extLst>
+  </p:cm>
+</p:cmLst>
 </file>
 
 <file path=ppt/slideLayouts/slideLayout1.xml><?xml version="1.0" encoding="utf-8"?>
@@ -5527,433 +5552,86 @@
         </p:blipFill>
         <p:spPr>
           <a:xfrm>
-            <a:off x="742950" y="2590319"/>
+            <a:off x="742950" y="2208397"/>
             <a:ext cx="7018817" cy="2826958"/>
           </a:xfrm>
         </p:spPr>
       </p:pic>
+      <p:sp>
+        <p:nvSpPr>
+          <p:cNvPr id="3" name="TextBox 2">
+            <a:extLst>
+              <a:ext uri="{FF2B5EF4-FFF2-40B4-BE49-F238E27FC236}">
+                <a16:creationId xmlns:a16="http://schemas.microsoft.com/office/drawing/2014/main" id="{FD730C7C-432E-482C-BC43-C72300E33A2C}"/>
+              </a:ext>
+            </a:extLst>
+          </p:cNvPr>
+          <p:cNvSpPr txBox="1"/>
+          <p:nvPr/>
+        </p:nvSpPr>
+        <p:spPr>
+          <a:xfrm>
+            <a:off x="1615758" y="3018354"/>
+            <a:ext cx="344557" cy="923330"/>
+          </a:xfrm>
+          <a:prstGeom prst="rect">
+            <a:avLst/>
+          </a:prstGeom>
+          <a:noFill/>
+        </p:spPr>
+        <p:txBody>
+          <a:bodyPr wrap="square" rtlCol="0">
+            <a:spAutoFit/>
+          </a:bodyPr>
+          <a:lstStyle/>
+          <a:p>
+            <a:r>
+              <a:rPr lang="ko-KR" altLang="en-US" dirty="0" err="1"/>
+              <a:t>고진세</a:t>
+            </a:r>
+            <a:endParaRPr lang="en-US" altLang="ko-KR" dirty="0"/>
+          </a:p>
+        </p:txBody>
+      </p:sp>
+      <p:sp>
+        <p:nvSpPr>
+          <p:cNvPr id="4" name="TextBox 3">
+            <a:extLst>
+              <a:ext uri="{FF2B5EF4-FFF2-40B4-BE49-F238E27FC236}">
+                <a16:creationId xmlns:a16="http://schemas.microsoft.com/office/drawing/2014/main" id="{536FD914-8F9A-411F-9021-D7511CD41476}"/>
+              </a:ext>
+            </a:extLst>
+          </p:cNvPr>
+          <p:cNvSpPr txBox="1"/>
+          <p:nvPr/>
+        </p:nvSpPr>
+        <p:spPr>
+          <a:xfrm>
+            <a:off x="1191688" y="3018354"/>
+            <a:ext cx="424070" cy="923330"/>
+          </a:xfrm>
+          <a:prstGeom prst="rect">
+            <a:avLst/>
+          </a:prstGeom>
+          <a:noFill/>
+        </p:spPr>
+        <p:txBody>
+          <a:bodyPr wrap="square" rtlCol="0">
+            <a:spAutoFit/>
+          </a:bodyPr>
+          <a:lstStyle/>
+          <a:p>
+            <a:r>
+              <a:rPr lang="ko-KR" altLang="en-US" dirty="0"/>
+              <a:t>박지희</a:t>
+            </a:r>
+          </a:p>
+        </p:txBody>
+      </p:sp>
     </p:spTree>
     <p:extLst>
       <p:ext uri="{BB962C8B-B14F-4D97-AF65-F5344CB8AC3E}">
         <p14:creationId xmlns:p14="http://schemas.microsoft.com/office/powerpoint/2010/main" val="1341077468"/>
-      </p:ext>
-    </p:extLst>
-  </p:cSld>
-  <p:clrMapOvr>
-    <a:masterClrMapping/>
-  </p:clrMapOvr>
-</p:sld>
-</file>
-
-<file path=ppt/slides/slide5.xml><?xml version="1.0" encoding="utf-8"?>
-<p:sld xmlns:a="http://schemas.openxmlformats.org/drawingml/2006/main" xmlns:r="http://schemas.openxmlformats.org/officeDocument/2006/relationships" xmlns:p="http://schemas.openxmlformats.org/presentationml/2006/main">
-  <p:cSld>
-    <p:spTree>
-      <p:nvGrpSpPr>
-        <p:cNvPr id="1" name=""/>
-        <p:cNvGrpSpPr/>
-        <p:nvPr/>
-      </p:nvGrpSpPr>
-      <p:grpSpPr>
-        <a:xfrm>
-          <a:off x="0" y="0"/>
-          <a:ext cx="0" cy="0"/>
-          <a:chOff x="0" y="0"/>
-          <a:chExt cx="0" cy="0"/>
-        </a:xfrm>
-      </p:grpSpPr>
-      <p:sp>
-        <p:nvSpPr>
-          <p:cNvPr id="9" name="직사각형 8">
-            <a:extLst>
-              <a:ext uri="{FF2B5EF4-FFF2-40B4-BE49-F238E27FC236}">
-                <a16:creationId xmlns:a16="http://schemas.microsoft.com/office/drawing/2014/main" id="{F84A2828-7289-43A5-B404-BCE4B75DD133}"/>
-              </a:ext>
-            </a:extLst>
-          </p:cNvPr>
-          <p:cNvSpPr/>
-          <p:nvPr/>
-        </p:nvSpPr>
-        <p:spPr>
-          <a:xfrm>
-            <a:off x="742950" y="1494498"/>
-            <a:ext cx="10610850" cy="233362"/>
-          </a:xfrm>
-          <a:prstGeom prst="rect">
-            <a:avLst/>
-          </a:prstGeom>
-          <a:solidFill>
-            <a:schemeClr val="accent1"/>
-          </a:solidFill>
-          <a:ln>
-            <a:noFill/>
-          </a:ln>
-        </p:spPr>
-        <p:style>
-          <a:lnRef idx="2">
-            <a:schemeClr val="accent1">
-              <a:shade val="50000"/>
-            </a:schemeClr>
-          </a:lnRef>
-          <a:fillRef idx="1">
-            <a:schemeClr val="accent1"/>
-          </a:fillRef>
-          <a:effectRef idx="0">
-            <a:schemeClr val="accent1"/>
-          </a:effectRef>
-          <a:fontRef idx="minor">
-            <a:schemeClr val="lt1"/>
-          </a:fontRef>
-        </p:style>
-        <p:txBody>
-          <a:bodyPr rtlCol="0" anchor="ctr"/>
-          <a:lstStyle/>
-          <a:p>
-            <a:pPr algn="ctr"/>
-            <a:endParaRPr lang="ko-KR" altLang="en-US" dirty="0"/>
-          </a:p>
-        </p:txBody>
-      </p:sp>
-      <p:sp>
-        <p:nvSpPr>
-          <p:cNvPr id="2" name="제목 1">
-            <a:extLst>
-              <a:ext uri="{FF2B5EF4-FFF2-40B4-BE49-F238E27FC236}">
-                <a16:creationId xmlns:a16="http://schemas.microsoft.com/office/drawing/2014/main" id="{E1160BEE-A523-4D89-ACD6-C90ABF59B220}"/>
-              </a:ext>
-            </a:extLst>
-          </p:cNvPr>
-          <p:cNvSpPr>
-            <a:spLocks noGrp="1"/>
-          </p:cNvSpPr>
-          <p:nvPr>
-            <p:ph type="title"/>
-          </p:nvPr>
-        </p:nvSpPr>
-        <p:spPr/>
-        <p:txBody>
-          <a:bodyPr/>
-          <a:lstStyle/>
-          <a:p>
-            <a:r>
-              <a:rPr lang="en-US" altLang="ko-KR" dirty="0">
-                <a:solidFill>
-                  <a:schemeClr val="accent1"/>
-                </a:solidFill>
-              </a:rPr>
-              <a:t>		</a:t>
-            </a:r>
-            <a:r>
-              <a:rPr lang="ko-KR" altLang="en-US" dirty="0">
-                <a:solidFill>
-                  <a:schemeClr val="accent1"/>
-                </a:solidFill>
-              </a:rPr>
-              <a:t>역할 분담 </a:t>
-            </a:r>
-          </a:p>
-        </p:txBody>
-      </p:sp>
-      <p:sp>
-        <p:nvSpPr>
-          <p:cNvPr id="5" name="직사각형 4">
-            <a:extLst>
-              <a:ext uri="{FF2B5EF4-FFF2-40B4-BE49-F238E27FC236}">
-                <a16:creationId xmlns:a16="http://schemas.microsoft.com/office/drawing/2014/main" id="{F98C76DF-6C17-4B45-B9B4-13BE24B6EF43}"/>
-              </a:ext>
-            </a:extLst>
-          </p:cNvPr>
-          <p:cNvSpPr/>
-          <p:nvPr/>
-        </p:nvSpPr>
-        <p:spPr>
-          <a:xfrm rot="19191577">
-            <a:off x="-1419225" y="-1257301"/>
-            <a:ext cx="3952875" cy="2857500"/>
-          </a:xfrm>
-          <a:prstGeom prst="rect">
-            <a:avLst/>
-          </a:prstGeom>
-          <a:solidFill>
-            <a:schemeClr val="accent1">
-              <a:lumMod val="60000"/>
-              <a:lumOff val="40000"/>
-            </a:schemeClr>
-          </a:solidFill>
-          <a:ln>
-            <a:noFill/>
-          </a:ln>
-        </p:spPr>
-        <p:style>
-          <a:lnRef idx="2">
-            <a:schemeClr val="accent1">
-              <a:shade val="50000"/>
-            </a:schemeClr>
-          </a:lnRef>
-          <a:fillRef idx="1">
-            <a:schemeClr val="accent1"/>
-          </a:fillRef>
-          <a:effectRef idx="0">
-            <a:schemeClr val="accent1"/>
-          </a:effectRef>
-          <a:fontRef idx="minor">
-            <a:schemeClr val="lt1"/>
-          </a:fontRef>
-        </p:style>
-        <p:txBody>
-          <a:bodyPr rtlCol="0" anchor="ctr"/>
-          <a:lstStyle/>
-          <a:p>
-            <a:pPr algn="ctr"/>
-            <a:endParaRPr lang="ko-KR" altLang="en-US"/>
-          </a:p>
-        </p:txBody>
-      </p:sp>
-      <p:sp>
-        <p:nvSpPr>
-          <p:cNvPr id="6" name="직사각형 5">
-            <a:extLst>
-              <a:ext uri="{FF2B5EF4-FFF2-40B4-BE49-F238E27FC236}">
-                <a16:creationId xmlns:a16="http://schemas.microsoft.com/office/drawing/2014/main" id="{F6B0CED5-7609-4877-B01F-E6229426FC3B}"/>
-              </a:ext>
-            </a:extLst>
-          </p:cNvPr>
-          <p:cNvSpPr/>
-          <p:nvPr/>
-        </p:nvSpPr>
-        <p:spPr>
-          <a:xfrm rot="19632521">
-            <a:off x="-1616883" y="-1443308"/>
-            <a:ext cx="4128727" cy="2578100"/>
-          </a:xfrm>
-          <a:prstGeom prst="rect">
-            <a:avLst/>
-          </a:prstGeom>
-          <a:solidFill>
-            <a:schemeClr val="accent1">
-              <a:lumMod val="40000"/>
-              <a:lumOff val="60000"/>
-            </a:schemeClr>
-          </a:solidFill>
-          <a:ln>
-            <a:noFill/>
-          </a:ln>
-        </p:spPr>
-        <p:style>
-          <a:lnRef idx="2">
-            <a:schemeClr val="accent1">
-              <a:shade val="50000"/>
-            </a:schemeClr>
-          </a:lnRef>
-          <a:fillRef idx="1">
-            <a:schemeClr val="accent1"/>
-          </a:fillRef>
-          <a:effectRef idx="0">
-            <a:schemeClr val="accent1"/>
-          </a:effectRef>
-          <a:fontRef idx="minor">
-            <a:schemeClr val="lt1"/>
-          </a:fontRef>
-        </p:style>
-        <p:txBody>
-          <a:bodyPr rtlCol="0" anchor="ctr"/>
-          <a:lstStyle/>
-          <a:p>
-            <a:pPr algn="ctr"/>
-            <a:endParaRPr lang="ko-KR" altLang="en-US"/>
-          </a:p>
-        </p:txBody>
-      </p:sp>
-      <p:sp>
-        <p:nvSpPr>
-          <p:cNvPr id="7" name="직사각형 6">
-            <a:extLst>
-              <a:ext uri="{FF2B5EF4-FFF2-40B4-BE49-F238E27FC236}">
-                <a16:creationId xmlns:a16="http://schemas.microsoft.com/office/drawing/2014/main" id="{3B3E3706-BEB1-48FD-97BC-C17AF1E91208}"/>
-              </a:ext>
-            </a:extLst>
-          </p:cNvPr>
-          <p:cNvSpPr/>
-          <p:nvPr/>
-        </p:nvSpPr>
-        <p:spPr>
-          <a:xfrm rot="19197173">
-            <a:off x="9183735" y="5302663"/>
-            <a:ext cx="4545734" cy="2705100"/>
-          </a:xfrm>
-          <a:prstGeom prst="rect">
-            <a:avLst/>
-          </a:prstGeom>
-          <a:solidFill>
-            <a:schemeClr val="accent1">
-              <a:lumMod val="60000"/>
-              <a:lumOff val="40000"/>
-            </a:schemeClr>
-          </a:solidFill>
-          <a:ln>
-            <a:noFill/>
-          </a:ln>
-        </p:spPr>
-        <p:style>
-          <a:lnRef idx="2">
-            <a:schemeClr val="accent1">
-              <a:shade val="50000"/>
-            </a:schemeClr>
-          </a:lnRef>
-          <a:fillRef idx="1">
-            <a:schemeClr val="accent1"/>
-          </a:fillRef>
-          <a:effectRef idx="0">
-            <a:schemeClr val="accent1"/>
-          </a:effectRef>
-          <a:fontRef idx="minor">
-            <a:schemeClr val="lt1"/>
-          </a:fontRef>
-        </p:style>
-        <p:txBody>
-          <a:bodyPr rtlCol="0" anchor="ctr"/>
-          <a:lstStyle/>
-          <a:p>
-            <a:pPr algn="ctr"/>
-            <a:endParaRPr lang="ko-KR" altLang="en-US"/>
-          </a:p>
-        </p:txBody>
-      </p:sp>
-      <p:sp>
-        <p:nvSpPr>
-          <p:cNvPr id="8" name="직사각형 7">
-            <a:extLst>
-              <a:ext uri="{FF2B5EF4-FFF2-40B4-BE49-F238E27FC236}">
-                <a16:creationId xmlns:a16="http://schemas.microsoft.com/office/drawing/2014/main" id="{8D40824E-8B3C-45CA-A517-67E2DE3FC701}"/>
-              </a:ext>
-            </a:extLst>
-          </p:cNvPr>
-          <p:cNvSpPr/>
-          <p:nvPr/>
-        </p:nvSpPr>
-        <p:spPr>
-          <a:xfrm rot="18961518">
-            <a:off x="9927197" y="5645036"/>
-            <a:ext cx="3876675" cy="2514600"/>
-          </a:xfrm>
-          <a:prstGeom prst="rect">
-            <a:avLst/>
-          </a:prstGeom>
-          <a:solidFill>
-            <a:schemeClr val="accent1">
-              <a:lumMod val="40000"/>
-              <a:lumOff val="60000"/>
-            </a:schemeClr>
-          </a:solidFill>
-          <a:ln>
-            <a:noFill/>
-          </a:ln>
-        </p:spPr>
-        <p:style>
-          <a:lnRef idx="2">
-            <a:schemeClr val="accent1">
-              <a:shade val="50000"/>
-            </a:schemeClr>
-          </a:lnRef>
-          <a:fillRef idx="1">
-            <a:schemeClr val="accent1"/>
-          </a:fillRef>
-          <a:effectRef idx="0">
-            <a:schemeClr val="accent1"/>
-          </a:effectRef>
-          <a:fontRef idx="minor">
-            <a:schemeClr val="lt1"/>
-          </a:fontRef>
-        </p:style>
-        <p:txBody>
-          <a:bodyPr rtlCol="0" anchor="ctr"/>
-          <a:lstStyle/>
-          <a:p>
-            <a:pPr algn="ctr"/>
-            <a:endParaRPr lang="ko-KR" altLang="en-US"/>
-          </a:p>
-        </p:txBody>
-      </p:sp>
-      <p:sp>
-        <p:nvSpPr>
-          <p:cNvPr id="4" name="내용 개체 틀 3">
-            <a:extLst>
-              <a:ext uri="{FF2B5EF4-FFF2-40B4-BE49-F238E27FC236}">
-                <a16:creationId xmlns:a16="http://schemas.microsoft.com/office/drawing/2014/main" id="{75681FBC-BEB3-4354-B417-666987137D5D}"/>
-              </a:ext>
-            </a:extLst>
-          </p:cNvPr>
-          <p:cNvSpPr>
-            <a:spLocks noGrp="1"/>
-          </p:cNvSpPr>
-          <p:nvPr>
-            <p:ph idx="1"/>
-          </p:nvPr>
-        </p:nvSpPr>
-        <p:spPr>
-          <a:xfrm>
-            <a:off x="742950" y="2063064"/>
-            <a:ext cx="10515600" cy="4375335"/>
-          </a:xfrm>
-        </p:spPr>
-        <p:txBody>
-          <a:bodyPr/>
-          <a:lstStyle/>
-          <a:p>
-            <a:endParaRPr lang="en-US" altLang="ko-KR" u="sng" dirty="0"/>
-          </a:p>
-          <a:p>
-            <a:endParaRPr lang="en-US" altLang="ko-KR" dirty="0"/>
-          </a:p>
-          <a:p>
-            <a:r>
-              <a:rPr lang="ko-KR" altLang="en-US" dirty="0"/>
-              <a:t>박 지 희 </a:t>
-            </a:r>
-            <a:r>
-              <a:rPr lang="en-US" altLang="ko-KR" dirty="0"/>
-              <a:t>: </a:t>
-            </a:r>
-            <a:r>
-              <a:rPr lang="ko-KR" altLang="en-US" dirty="0"/>
-              <a:t>플레이어 및 </a:t>
-            </a:r>
-            <a:r>
-              <a:rPr lang="en-US" altLang="ko-KR" dirty="0"/>
-              <a:t>UI</a:t>
-            </a:r>
-          </a:p>
-          <a:p>
-            <a:endParaRPr lang="en-US" altLang="ko-KR" dirty="0"/>
-          </a:p>
-          <a:p>
-            <a:endParaRPr lang="en-US" altLang="ko-KR" dirty="0"/>
-          </a:p>
-          <a:p>
-            <a:r>
-              <a:rPr lang="ko-KR" altLang="en-US" dirty="0"/>
-              <a:t>고 진 세 </a:t>
-            </a:r>
-            <a:r>
-              <a:rPr lang="en-US" altLang="ko-KR" dirty="0"/>
-              <a:t>: </a:t>
-            </a:r>
-            <a:r>
-              <a:rPr lang="ko-KR" altLang="en-US" dirty="0"/>
-              <a:t>몬스터 및 </a:t>
-            </a:r>
-            <a:r>
-              <a:rPr lang="en-US" altLang="ko-KR" dirty="0"/>
-              <a:t>UI</a:t>
-            </a:r>
-            <a:endParaRPr lang="ko-KR" altLang="en-US" dirty="0"/>
-          </a:p>
-        </p:txBody>
-      </p:sp>
-    </p:spTree>
-    <p:extLst>
-      <p:ext uri="{BB962C8B-B14F-4D97-AF65-F5344CB8AC3E}">
-        <p14:creationId xmlns:p14="http://schemas.microsoft.com/office/powerpoint/2010/main" val="3294800797"/>
       </p:ext>
     </p:extLst>
   </p:cSld>
